--- a/Доклад на 17_05_2016.pptx
+++ b/Доклад на 17_05_2016.pptx
@@ -5,7 +5,7 @@
     <p:sldMasterId id="2147483648" r:id="rId1"/>
   </p:sldMasterIdLst>
   <p:notesMasterIdLst>
-    <p:notesMasterId r:id="rId13"/>
+    <p:notesMasterId r:id="rId12"/>
   </p:notesMasterIdLst>
   <p:sldIdLst>
     <p:sldId id="256" r:id="rId2"/>
@@ -14,11 +14,10 @@
     <p:sldId id="264" r:id="rId5"/>
     <p:sldId id="260" r:id="rId6"/>
     <p:sldId id="267" r:id="rId7"/>
-    <p:sldId id="265" r:id="rId8"/>
-    <p:sldId id="266" r:id="rId9"/>
-    <p:sldId id="261" r:id="rId10"/>
-    <p:sldId id="262" r:id="rId11"/>
-    <p:sldId id="263" r:id="rId12"/>
+    <p:sldId id="266" r:id="rId8"/>
+    <p:sldId id="261" r:id="rId9"/>
+    <p:sldId id="262" r:id="rId10"/>
+    <p:sldId id="263" r:id="rId11"/>
   </p:sldIdLst>
   <p:sldSz cx="12192000" cy="6858000"/>
   <p:notesSz cx="6858000" cy="9144000"/>
@@ -207,7 +206,7 @@
           <a:p>
             <a:fld id="{6B464B02-90B2-4731-B2BE-E94748D81C5F}" type="datetimeFigureOut">
               <a:rPr lang="ru-RU" smtClean="0"/>
-              <a:t>16.05.2016</a:t>
+              <a:t>17.05.2016</a:t>
             </a:fld>
             <a:endParaRPr lang="ru-RU"/>
           </a:p>
@@ -690,7 +689,7 @@
           <a:p>
             <a:fld id="{E9E60E40-40A9-4C1C-A1FC-079EFF3B96C3}" type="datetimeFigureOut">
               <a:rPr lang="ru-RU" smtClean="0"/>
-              <a:t>16.05.2016</a:t>
+              <a:t>17.05.2016</a:t>
             </a:fld>
             <a:endParaRPr lang="ru-RU"/>
           </a:p>
@@ -860,7 +859,7 @@
           <a:p>
             <a:fld id="{E9E60E40-40A9-4C1C-A1FC-079EFF3B96C3}" type="datetimeFigureOut">
               <a:rPr lang="ru-RU" smtClean="0"/>
-              <a:t>16.05.2016</a:t>
+              <a:t>17.05.2016</a:t>
             </a:fld>
             <a:endParaRPr lang="ru-RU"/>
           </a:p>
@@ -1040,7 +1039,7 @@
           <a:p>
             <a:fld id="{E9E60E40-40A9-4C1C-A1FC-079EFF3B96C3}" type="datetimeFigureOut">
               <a:rPr lang="ru-RU" smtClean="0"/>
-              <a:t>16.05.2016</a:t>
+              <a:t>17.05.2016</a:t>
             </a:fld>
             <a:endParaRPr lang="ru-RU"/>
           </a:p>
@@ -1210,7 +1209,7 @@
           <a:p>
             <a:fld id="{E9E60E40-40A9-4C1C-A1FC-079EFF3B96C3}" type="datetimeFigureOut">
               <a:rPr lang="ru-RU" smtClean="0"/>
-              <a:t>16.05.2016</a:t>
+              <a:t>17.05.2016</a:t>
             </a:fld>
             <a:endParaRPr lang="ru-RU"/>
           </a:p>
@@ -1456,7 +1455,7 @@
           <a:p>
             <a:fld id="{E9E60E40-40A9-4C1C-A1FC-079EFF3B96C3}" type="datetimeFigureOut">
               <a:rPr lang="ru-RU" smtClean="0"/>
-              <a:t>16.05.2016</a:t>
+              <a:t>17.05.2016</a:t>
             </a:fld>
             <a:endParaRPr lang="ru-RU"/>
           </a:p>
@@ -1688,7 +1687,7 @@
           <a:p>
             <a:fld id="{E9E60E40-40A9-4C1C-A1FC-079EFF3B96C3}" type="datetimeFigureOut">
               <a:rPr lang="ru-RU" smtClean="0"/>
-              <a:t>16.05.2016</a:t>
+              <a:t>17.05.2016</a:t>
             </a:fld>
             <a:endParaRPr lang="ru-RU"/>
           </a:p>
@@ -2055,7 +2054,7 @@
           <a:p>
             <a:fld id="{E9E60E40-40A9-4C1C-A1FC-079EFF3B96C3}" type="datetimeFigureOut">
               <a:rPr lang="ru-RU" smtClean="0"/>
-              <a:t>16.05.2016</a:t>
+              <a:t>17.05.2016</a:t>
             </a:fld>
             <a:endParaRPr lang="ru-RU"/>
           </a:p>
@@ -2173,7 +2172,7 @@
           <a:p>
             <a:fld id="{E9E60E40-40A9-4C1C-A1FC-079EFF3B96C3}" type="datetimeFigureOut">
               <a:rPr lang="ru-RU" smtClean="0"/>
-              <a:t>16.05.2016</a:t>
+              <a:t>17.05.2016</a:t>
             </a:fld>
             <a:endParaRPr lang="ru-RU"/>
           </a:p>
@@ -2268,7 +2267,7 @@
           <a:p>
             <a:fld id="{E9E60E40-40A9-4C1C-A1FC-079EFF3B96C3}" type="datetimeFigureOut">
               <a:rPr lang="ru-RU" smtClean="0"/>
-              <a:t>16.05.2016</a:t>
+              <a:t>17.05.2016</a:t>
             </a:fld>
             <a:endParaRPr lang="ru-RU"/>
           </a:p>
@@ -2545,7 +2544,7 @@
           <a:p>
             <a:fld id="{E9E60E40-40A9-4C1C-A1FC-079EFF3B96C3}" type="datetimeFigureOut">
               <a:rPr lang="ru-RU" smtClean="0"/>
-              <a:t>16.05.2016</a:t>
+              <a:t>17.05.2016</a:t>
             </a:fld>
             <a:endParaRPr lang="ru-RU"/>
           </a:p>
@@ -2798,7 +2797,7 @@
           <a:p>
             <a:fld id="{E9E60E40-40A9-4C1C-A1FC-079EFF3B96C3}" type="datetimeFigureOut">
               <a:rPr lang="ru-RU" smtClean="0"/>
-              <a:t>16.05.2016</a:t>
+              <a:t>17.05.2016</a:t>
             </a:fld>
             <a:endParaRPr lang="ru-RU"/>
           </a:p>
@@ -3011,7 +3010,7 @@
           <a:p>
             <a:fld id="{E9E60E40-40A9-4C1C-A1FC-079EFF3B96C3}" type="datetimeFigureOut">
               <a:rPr lang="ru-RU" smtClean="0"/>
-              <a:t>16.05.2016</a:t>
+              <a:t>17.05.2016</a:t>
             </a:fld>
             <a:endParaRPr lang="ru-RU"/>
           </a:p>
@@ -3488,66 +3487,6 @@
         </p:nvSpPr>
         <p:spPr>
           <a:xfrm>
-            <a:off x="3008671" y="776748"/>
-            <a:ext cx="3377848" cy="830997"/>
-          </a:xfrm>
-          <a:prstGeom prst="rect">
-            <a:avLst/>
-          </a:prstGeom>
-          <a:noFill/>
-        </p:spPr>
-        <p:txBody>
-          <a:bodyPr wrap="none" rtlCol="0">
-            <a:spAutoFit/>
-          </a:bodyPr>
-          <a:lstStyle/>
-          <a:p>
-            <a:r>
-              <a:rPr lang="ru-RU" sz="4800" dirty="0" smtClean="0"/>
-              <a:t>Заключение</a:t>
-            </a:r>
-            <a:endParaRPr lang="ru-RU" sz="4800" dirty="0"/>
-          </a:p>
-        </p:txBody>
-      </p:sp>
-    </p:spTree>
-    <p:extLst>
-      <p:ext uri="{BB962C8B-B14F-4D97-AF65-F5344CB8AC3E}">
-        <p14:creationId xmlns:p14="http://schemas.microsoft.com/office/powerpoint/2010/main" val="4022800101"/>
-      </p:ext>
-    </p:extLst>
-  </p:cSld>
-  <p:clrMapOvr>
-    <a:masterClrMapping/>
-  </p:clrMapOvr>
-</p:sld>
-</file>
-
-<file path=ppt/slides/slide11.xml><?xml version="1.0" encoding="utf-8"?>
-<p:sld xmlns:a="http://schemas.openxmlformats.org/drawingml/2006/main" xmlns:r="http://schemas.openxmlformats.org/officeDocument/2006/relationships" xmlns:p="http://schemas.openxmlformats.org/presentationml/2006/main">
-  <p:cSld>
-    <p:spTree>
-      <p:nvGrpSpPr>
-        <p:cNvPr id="1" name=""/>
-        <p:cNvGrpSpPr/>
-        <p:nvPr/>
-      </p:nvGrpSpPr>
-      <p:grpSpPr>
-        <a:xfrm>
-          <a:off x="0" y="0"/>
-          <a:ext cx="0" cy="0"/>
-          <a:chOff x="0" y="0"/>
-          <a:chExt cx="0" cy="0"/>
-        </a:xfrm>
-      </p:grpSpPr>
-      <p:sp>
-        <p:nvSpPr>
-          <p:cNvPr id="2" name="TextBox 1"/>
-          <p:cNvSpPr txBox="1"/>
-          <p:nvPr/>
-        </p:nvSpPr>
-        <p:spPr>
-          <a:xfrm>
             <a:off x="2084438" y="2703871"/>
             <a:ext cx="8975534" cy="1200329"/>
           </a:xfrm>
@@ -4177,7 +4116,7 @@
         <p:spPr>
           <a:xfrm>
             <a:off x="1022555" y="1887794"/>
-            <a:ext cx="9619108" cy="2308324"/>
+            <a:ext cx="10927222" cy="4062651"/>
           </a:xfrm>
           <a:prstGeom prst="rect">
             <a:avLst/>
@@ -4191,120 +4130,147 @@
           <a:lstStyle/>
           <a:p>
             <a:r>
-              <a:rPr lang="ru-RU" b="1" dirty="0" smtClean="0"/>
-              <a:t>Обосновать, почему на Си</a:t>
-            </a:r>
-            <a:r>
-              <a:rPr lang="ru-RU" dirty="0" smtClean="0"/>
+              <a:rPr lang="ru-RU" sz="2000" b="1" dirty="0" smtClean="0"/>
+              <a:t>Было решено писать библиотеки на языке Си</a:t>
+            </a:r>
+            <a:r>
+              <a:rPr lang="ru-RU" sz="2000" dirty="0" smtClean="0"/>
+              <a:t>. Этому способствовали следующие причины:</a:t>
+            </a:r>
+          </a:p>
+          <a:p>
+            <a:endParaRPr lang="ru-RU" sz="2000" dirty="0"/>
+          </a:p>
+          <a:p>
+            <a:pPr marL="285750" lvl="0" indent="-285750">
+              <a:buFont typeface="Arial" panose="020B0604020202020204" pitchFamily="34" charset="0"/>
+              <a:buChar char="•"/>
+            </a:pPr>
+            <a:r>
+              <a:rPr lang="ru-RU" sz="2000" dirty="0"/>
+              <a:t>согласно индексу </a:t>
+            </a:r>
+            <a:r>
+              <a:rPr lang="en-US" sz="2000" dirty="0"/>
+              <a:t>TIOBE</a:t>
+            </a:r>
+            <a:r>
+              <a:rPr lang="ru-RU" sz="2000" dirty="0"/>
               <a:t> </a:t>
             </a:r>
             <a:r>
-              <a:rPr lang="ru-RU" i="1" dirty="0" smtClean="0"/>
-              <a:t>(получится кроссплатформенная </a:t>
-            </a:r>
-            <a:r>
-              <a:rPr lang="ru-RU" i="1" dirty="0" err="1" smtClean="0"/>
-              <a:t>баблиотека</a:t>
-            </a:r>
-            <a:r>
-              <a:rPr lang="ru-RU" i="1" dirty="0"/>
+              <a:rPr lang="ru-RU" sz="2000" dirty="0" smtClean="0"/>
+              <a:t>язык </a:t>
+            </a:r>
+            <a:r>
+              <a:rPr lang="ru-RU" sz="2000" dirty="0"/>
+              <a:t>программирования Си довольно долгое время занимает верхние </a:t>
+            </a:r>
+            <a:endParaRPr lang="ru-RU" sz="2000" dirty="0" smtClean="0"/>
+          </a:p>
+          <a:p>
+            <a:pPr lvl="0"/>
+            <a:r>
+              <a:rPr lang="ru-RU" sz="2000" dirty="0" smtClean="0"/>
+              <a:t>позиции (</a:t>
+            </a:r>
+            <a:r>
+              <a:rPr lang="ru-RU" sz="2000" dirty="0"/>
+              <a:t>1-2 место) по популярности</a:t>
+            </a:r>
+            <a:r>
+              <a:rPr lang="ru-RU" sz="2000" dirty="0" smtClean="0"/>
               <a:t>;</a:t>
             </a:r>
-            <a:r>
-              <a:rPr lang="ru-RU" i="1" dirty="0" smtClean="0"/>
-              <a:t> Си, как и </a:t>
-            </a:r>
-          </a:p>
-          <a:p>
-            <a:r>
-              <a:rPr lang="ru-RU" i="1" dirty="0" smtClean="0"/>
-              <a:t>ассемблер, можно запихнуть в железку; Си – просто очень популярный язык)</a:t>
-            </a:r>
-            <a:r>
-              <a:rPr lang="ru-RU" dirty="0" smtClean="0"/>
-              <a:t>.</a:t>
-            </a:r>
-          </a:p>
-          <a:p>
-            <a:endParaRPr lang="ru-RU" dirty="0"/>
-          </a:p>
-          <a:p>
-            <a:r>
-              <a:rPr lang="ru-RU" b="1" dirty="0" smtClean="0"/>
-              <a:t>Выбрать методологию проектирования ПО </a:t>
-            </a:r>
-            <a:r>
-              <a:rPr lang="ru-RU" dirty="0" smtClean="0"/>
+          </a:p>
+          <a:p>
+            <a:pPr marL="285750" lvl="0" indent="-285750">
+              <a:buFont typeface="Arial" panose="020B0604020202020204" pitchFamily="34" charset="0"/>
+              <a:buChar char="•"/>
+            </a:pPr>
+            <a:endParaRPr lang="ru-RU" sz="2000" dirty="0"/>
+          </a:p>
+          <a:p>
+            <a:pPr marL="285750" lvl="0" indent="-285750">
+              <a:buFont typeface="Arial" panose="020B0604020202020204" pitchFamily="34" charset="0"/>
+              <a:buChar char="•"/>
+            </a:pPr>
+            <a:r>
+              <a:rPr lang="ru-RU" sz="2000" dirty="0"/>
+              <a:t>язык Си наравне с ассемблерами используется для программирования </a:t>
+            </a:r>
+            <a:endParaRPr lang="ru-RU" sz="2000" dirty="0" smtClean="0"/>
+          </a:p>
+          <a:p>
+            <a:pPr lvl="0"/>
+            <a:r>
+              <a:rPr lang="ru-RU" sz="2000" dirty="0" smtClean="0"/>
+              <a:t>микроконтроллеров </a:t>
+            </a:r>
+            <a:r>
+              <a:rPr lang="ru-RU" sz="2000" dirty="0"/>
+              <a:t>– таким образом область применения написанных библиотек </a:t>
+            </a:r>
+            <a:endParaRPr lang="ru-RU" sz="2000" dirty="0" smtClean="0"/>
+          </a:p>
+          <a:p>
+            <a:pPr lvl="0"/>
+            <a:r>
+              <a:rPr lang="ru-RU" sz="2000" dirty="0" smtClean="0"/>
+              <a:t>значительно </a:t>
+            </a:r>
+            <a:r>
+              <a:rPr lang="ru-RU" sz="2000" dirty="0"/>
+              <a:t>расширяется</a:t>
+            </a:r>
+            <a:r>
+              <a:rPr lang="ru-RU" sz="2000" dirty="0" smtClean="0"/>
+              <a:t>;</a:t>
+            </a:r>
+          </a:p>
+          <a:p>
+            <a:pPr marL="285750" lvl="0" indent="-285750">
+              <a:buFont typeface="Arial" panose="020B0604020202020204" pitchFamily="34" charset="0"/>
+              <a:buChar char="•"/>
+            </a:pPr>
+            <a:endParaRPr lang="ru-RU" sz="2000" dirty="0"/>
+          </a:p>
+          <a:p>
+            <a:pPr marL="285750" lvl="0" indent="-285750">
+              <a:buFont typeface="Arial" panose="020B0604020202020204" pitchFamily="34" charset="0"/>
+              <a:buChar char="•"/>
+            </a:pPr>
+            <a:r>
+              <a:rPr lang="ru-RU" sz="2000" dirty="0"/>
+              <a:t>написанное на классическом Си приложение будет кроссплатформенным </a:t>
+            </a:r>
+            <a:endParaRPr lang="ru-RU" sz="2000" dirty="0" smtClean="0"/>
+          </a:p>
+          <a:p>
+            <a:pPr lvl="0"/>
+            <a:r>
+              <a:rPr lang="ru-RU" sz="2000" dirty="0" smtClean="0"/>
               <a:t>(</a:t>
             </a:r>
             <a:r>
-              <a:rPr lang="ru-RU" i="1" dirty="0" smtClean="0"/>
-              <a:t>Л. 01 </a:t>
-            </a:r>
-            <a:r>
-              <a:rPr lang="en-US" i="1" dirty="0" smtClean="0"/>
-              <a:t>Life Cycle</a:t>
-            </a:r>
-            <a:r>
-              <a:rPr lang="ru-RU" dirty="0" smtClean="0"/>
-              <a:t>; </a:t>
-            </a:r>
-            <a:r>
-              <a:rPr lang="ru-RU" i="1" dirty="0" smtClean="0"/>
-              <a:t>обосновать, исходя из </a:t>
-            </a:r>
-          </a:p>
-          <a:p>
-            <a:r>
-              <a:rPr lang="ru-RU" i="1" dirty="0" smtClean="0"/>
-              <a:t>состава и последовательности работ, организации требований,</a:t>
-            </a:r>
-          </a:p>
-          <a:p>
-            <a:r>
-              <a:rPr lang="ru-RU" i="1" dirty="0" smtClean="0"/>
-              <a:t>порядка контроля, взаимодействия участников</a:t>
-            </a:r>
-            <a:r>
-              <a:rPr lang="ru-RU" dirty="0" smtClean="0"/>
-              <a:t>). </a:t>
-            </a:r>
-            <a:r>
-              <a:rPr lang="ru-RU" b="1" dirty="0" smtClean="0"/>
-              <a:t>После выбора сказать про её</a:t>
-            </a:r>
-          </a:p>
-          <a:p>
-            <a:r>
-              <a:rPr lang="ru-RU" b="1" dirty="0" smtClean="0"/>
-              <a:t>характеристики</a:t>
-            </a:r>
-            <a:r>
-              <a:rPr lang="ru-RU" dirty="0" smtClean="0"/>
-              <a:t> (</a:t>
-            </a:r>
-            <a:r>
-              <a:rPr lang="ru-RU" i="1" dirty="0" smtClean="0"/>
-              <a:t>стратегия конструирования, адаптивность процесса – скорее облегчённая</a:t>
-            </a:r>
-          </a:p>
-          <a:p>
-            <a:r>
-              <a:rPr lang="ru-RU" i="1" dirty="0" smtClean="0"/>
-              <a:t>(ещё есть </a:t>
-            </a:r>
-            <a:r>
-              <a:rPr lang="ru-RU" i="1" dirty="0" err="1" smtClean="0"/>
-              <a:t>тяжёловесные</a:t>
-            </a:r>
-            <a:r>
-              <a:rPr lang="ru-RU" i="1" dirty="0" smtClean="0"/>
-              <a:t>), этапы и связи между ними, формулировка требований</a:t>
-            </a:r>
-            <a:r>
-              <a:rPr lang="ru-RU" dirty="0" smtClean="0"/>
-              <a:t>).</a:t>
-            </a:r>
+              <a:rPr lang="ru-RU" sz="2000" dirty="0"/>
+              <a:t>на уровне исходных кодов): данные библиотеки получат возможность встраиваться в </a:t>
+            </a:r>
+            <a:endParaRPr lang="ru-RU" sz="2000" dirty="0" smtClean="0"/>
+          </a:p>
+          <a:p>
+            <a:pPr lvl="0"/>
+            <a:r>
+              <a:rPr lang="ru-RU" sz="2000" dirty="0" smtClean="0"/>
+              <a:t>приложения</a:t>
+            </a:r>
+            <a:r>
+              <a:rPr lang="ru-RU" sz="2000" dirty="0"/>
+              <a:t>, написанные на разных ОС.</a:t>
+            </a:r>
+          </a:p>
+          <a:p>
+            <a:endParaRPr lang="ru-RU" dirty="0" smtClean="0"/>
           </a:p>
         </p:txBody>
       </p:sp>
@@ -4340,14 +4306,14 @@
       </p:grpSpPr>
       <p:sp>
         <p:nvSpPr>
-          <p:cNvPr id="2" name="TextBox 1"/>
+          <p:cNvPr id="3" name="TextBox 2"/>
           <p:cNvSpPr txBox="1"/>
           <p:nvPr/>
         </p:nvSpPr>
         <p:spPr>
           <a:xfrm>
-            <a:off x="1356852" y="1238865"/>
-            <a:ext cx="10196051" cy="2031325"/>
+            <a:off x="2467897" y="570271"/>
+            <a:ext cx="7500323" cy="830997"/>
           </a:xfrm>
           <a:prstGeom prst="rect">
             <a:avLst/>
@@ -4355,79 +4321,144 @@
           <a:noFill/>
         </p:spPr>
         <p:txBody>
-          <a:bodyPr wrap="square" rtlCol="0">
+          <a:bodyPr wrap="none" rtlCol="0">
             <a:spAutoFit/>
           </a:bodyPr>
           <a:lstStyle/>
           <a:p>
             <a:r>
-              <a:rPr lang="ru-RU" b="1" dirty="0" smtClean="0"/>
-              <a:t>Методология </a:t>
-            </a:r>
-            <a:r>
-              <a:rPr lang="ru-RU" b="1" dirty="0" err="1" smtClean="0"/>
-              <a:t>проектирвоания</a:t>
-            </a:r>
-            <a:r>
-              <a:rPr lang="ru-RU" b="1" dirty="0" smtClean="0"/>
-              <a:t> ПО: это будет или классическая итерационная модель ППО, или </a:t>
-            </a:r>
-            <a:r>
-              <a:rPr lang="ru-RU" b="1" dirty="0" err="1" smtClean="0"/>
-              <a:t>прототипирвоание</a:t>
-            </a:r>
-            <a:r>
-              <a:rPr lang="ru-RU" b="1" dirty="0" smtClean="0"/>
-              <a:t> </a:t>
-            </a:r>
-            <a:r>
-              <a:rPr lang="ru-RU" i="1" dirty="0" smtClean="0"/>
-              <a:t>(рисунки на следующих слайдах). </a:t>
-            </a:r>
-          </a:p>
-          <a:p>
-            <a:r>
-              <a:rPr lang="ru-RU" i="1" dirty="0" smtClean="0"/>
-              <a:t>Причины </a:t>
-            </a:r>
-            <a:r>
-              <a:rPr lang="ru-RU" b="1" i="1" dirty="0" smtClean="0"/>
-              <a:t>первого</a:t>
-            </a:r>
-            <a:r>
-              <a:rPr lang="ru-RU" i="1" dirty="0" smtClean="0"/>
-              <a:t> выбора: есть обратная связь после каждого этапа, есть план. Минус: нет гибкости.</a:t>
-            </a:r>
-          </a:p>
-          <a:p>
-            <a:r>
-              <a:rPr lang="ru-RU" i="1" dirty="0" smtClean="0"/>
-              <a:t>Причины </a:t>
-            </a:r>
-            <a:r>
-              <a:rPr lang="ru-RU" b="1" i="1" dirty="0" smtClean="0"/>
-              <a:t>второго</a:t>
-            </a:r>
-            <a:r>
-              <a:rPr lang="ru-RU" i="1" dirty="0" smtClean="0"/>
-              <a:t> выбора: позволяет быстро увидеть свойства продукта, можно рано увидеть </a:t>
-            </a:r>
-            <a:r>
-              <a:rPr lang="ru-RU" i="1" dirty="0" err="1" smtClean="0"/>
-              <a:t>нагялдный</a:t>
-            </a:r>
-            <a:r>
-              <a:rPr lang="ru-RU" i="1" dirty="0" smtClean="0"/>
-              <a:t> проект. Минус: не является полноценным ЖЦ + </a:t>
-            </a:r>
-            <a:r>
-              <a:rPr lang="ru-RU" i="1" dirty="0" smtClean="0"/>
-              <a:t>макет может быть принят за </a:t>
-            </a:r>
-            <a:r>
-              <a:rPr lang="ru-RU" i="1" dirty="0" smtClean="0"/>
-              <a:t>продукт (как заказчиком, так и разработчиком).</a:t>
-            </a:r>
+              <a:rPr lang="ru-RU" sz="4800" dirty="0" smtClean="0"/>
+              <a:t>Проектирование библиотек</a:t>
+            </a:r>
+            <a:endParaRPr lang="ru-RU" sz="4800" dirty="0"/>
+          </a:p>
+        </p:txBody>
+      </p:sp>
+      <p:sp>
+        <p:nvSpPr>
+          <p:cNvPr id="4" name="TextBox 3"/>
+          <p:cNvSpPr txBox="1"/>
+          <p:nvPr/>
+        </p:nvSpPr>
+        <p:spPr>
+          <a:xfrm>
+            <a:off x="198236" y="1575302"/>
+            <a:ext cx="12039643" cy="4247317"/>
+          </a:xfrm>
+          <a:prstGeom prst="rect">
+            <a:avLst/>
+          </a:prstGeom>
+          <a:noFill/>
+        </p:spPr>
+        <p:txBody>
+          <a:bodyPr wrap="none" rtlCol="0">
+            <a:spAutoFit/>
+          </a:bodyPr>
+          <a:lstStyle/>
+          <a:p>
+            <a:r>
+              <a:rPr lang="ru-RU" sz="2800" dirty="0"/>
+              <a:t>Данные библиотеки разрабатывались по такой технологии </a:t>
+            </a:r>
+            <a:endParaRPr lang="ru-RU" sz="2800" dirty="0" smtClean="0"/>
+          </a:p>
+          <a:p>
+            <a:r>
+              <a:rPr lang="ru-RU" sz="2800" dirty="0" smtClean="0"/>
+              <a:t>проектирования </a:t>
+            </a:r>
+            <a:r>
+              <a:rPr lang="ru-RU" sz="2800" dirty="0"/>
+              <a:t>ПО, </a:t>
+            </a:r>
+            <a:r>
+              <a:rPr lang="ru-RU" sz="2800" dirty="0" smtClean="0"/>
+              <a:t>как </a:t>
+            </a:r>
+            <a:r>
+              <a:rPr lang="ru-RU" sz="2800" dirty="0" err="1"/>
+              <a:t>прототипирование</a:t>
+            </a:r>
+            <a:r>
+              <a:rPr lang="ru-RU" sz="2800" dirty="0"/>
+              <a:t>. В пользу данной </a:t>
+            </a:r>
+            <a:endParaRPr lang="ru-RU" sz="2800" dirty="0" smtClean="0"/>
+          </a:p>
+          <a:p>
+            <a:r>
+              <a:rPr lang="ru-RU" sz="2800" dirty="0" smtClean="0"/>
+              <a:t>технологии </a:t>
+            </a:r>
+            <a:r>
+              <a:rPr lang="ru-RU" sz="2800" dirty="0"/>
+              <a:t>были следующие </a:t>
+            </a:r>
+            <a:r>
+              <a:rPr lang="ru-RU" sz="2800" dirty="0" smtClean="0"/>
+              <a:t>факторы:</a:t>
+            </a:r>
+          </a:p>
+          <a:p>
+            <a:endParaRPr lang="ru-RU" sz="2800" dirty="0"/>
+          </a:p>
+          <a:p>
+            <a:pPr marL="285750" lvl="0" indent="-285750">
+              <a:buFont typeface="Arial" panose="020B0604020202020204" pitchFamily="34" charset="0"/>
+              <a:buChar char="•"/>
+            </a:pPr>
+            <a:r>
+              <a:rPr lang="ru-RU" sz="2800" dirty="0"/>
+              <a:t>нам известны не все требования (формат, в котором мы будем передавать </a:t>
+            </a:r>
+            <a:endParaRPr lang="ru-RU" sz="2800" dirty="0" smtClean="0"/>
+          </a:p>
+          <a:p>
+            <a:pPr lvl="0"/>
+            <a:r>
+              <a:rPr lang="ru-RU" sz="2800" dirty="0" smtClean="0"/>
+              <a:t>данные </a:t>
+            </a:r>
+            <a:r>
+              <a:rPr lang="ru-RU" sz="2800" dirty="0"/>
+              <a:t>в канал связи; скорость передачи данных</a:t>
+            </a:r>
+            <a:r>
+              <a:rPr lang="ru-RU" sz="2800" dirty="0" smtClean="0"/>
+              <a:t>);</a:t>
+            </a:r>
+          </a:p>
+          <a:p>
+            <a:pPr marL="285750" lvl="0" indent="-285750">
+              <a:buFont typeface="Arial" panose="020B0604020202020204" pitchFamily="34" charset="0"/>
+              <a:buChar char="•"/>
+            </a:pPr>
+            <a:endParaRPr lang="ru-RU" sz="2800" dirty="0"/>
+          </a:p>
+          <a:p>
+            <a:pPr marL="285750" lvl="0" indent="-285750">
+              <a:buFont typeface="Arial" panose="020B0604020202020204" pitchFamily="34" charset="0"/>
+              <a:buChar char="•"/>
+            </a:pPr>
+            <a:r>
+              <a:rPr lang="ru-RU" sz="2800" dirty="0"/>
+              <a:t>данная технология позволила нам быстро увидеть </a:t>
+            </a:r>
+            <a:endParaRPr lang="ru-RU" sz="2800" dirty="0" smtClean="0"/>
+          </a:p>
+          <a:p>
+            <a:pPr lvl="0"/>
+            <a:r>
+              <a:rPr lang="ru-RU" sz="2800" dirty="0" smtClean="0"/>
+              <a:t>некоторые </a:t>
+            </a:r>
+            <a:r>
+              <a:rPr lang="ru-RU" sz="2800" dirty="0"/>
+              <a:t>свойства продукта (применимость, удобство);</a:t>
+            </a:r>
+          </a:p>
+          <a:p>
+            <a:endParaRPr lang="ru-RU" dirty="0"/>
           </a:p>
         </p:txBody>
       </p:sp>
@@ -4445,60 +4476,6 @@
 </file>
 
 <file path=ppt/slides/slide7.xml><?xml version="1.0" encoding="utf-8"?>
-<p:sld xmlns:a="http://schemas.openxmlformats.org/drawingml/2006/main" xmlns:r="http://schemas.openxmlformats.org/officeDocument/2006/relationships" xmlns:p="http://schemas.openxmlformats.org/presentationml/2006/main">
-  <p:cSld>
-    <p:spTree>
-      <p:nvGrpSpPr>
-        <p:cNvPr id="1" name=""/>
-        <p:cNvGrpSpPr/>
-        <p:nvPr/>
-      </p:nvGrpSpPr>
-      <p:grpSpPr>
-        <a:xfrm>
-          <a:off x="0" y="0"/>
-          <a:ext cx="0" cy="0"/>
-          <a:chOff x="0" y="0"/>
-          <a:chExt cx="0" cy="0"/>
-        </a:xfrm>
-      </p:grpSpPr>
-      <p:pic>
-        <p:nvPicPr>
-          <p:cNvPr id="2" name="Рисунок 1"/>
-          <p:cNvPicPr>
-            <a:picLocks noChangeAspect="1"/>
-          </p:cNvPicPr>
-          <p:nvPr/>
-        </p:nvPicPr>
-        <p:blipFill>
-          <a:blip r:embed="rId2"/>
-          <a:stretch>
-            <a:fillRect/>
-          </a:stretch>
-        </p:blipFill>
-        <p:spPr>
-          <a:xfrm>
-            <a:off x="819150" y="66675"/>
-            <a:ext cx="10553700" cy="6724650"/>
-          </a:xfrm>
-          <a:prstGeom prst="rect">
-            <a:avLst/>
-          </a:prstGeom>
-        </p:spPr>
-      </p:pic>
-    </p:spTree>
-    <p:extLst>
-      <p:ext uri="{BB962C8B-B14F-4D97-AF65-F5344CB8AC3E}">
-        <p14:creationId xmlns:p14="http://schemas.microsoft.com/office/powerpoint/2010/main" val="3499064534"/>
-      </p:ext>
-    </p:extLst>
-  </p:cSld>
-  <p:clrMapOvr>
-    <a:masterClrMapping/>
-  </p:clrMapOvr>
-</p:sld>
-</file>
-
-<file path=ppt/slides/slide8.xml><?xml version="1.0" encoding="utf-8"?>
 <p:sld xmlns:a="http://schemas.openxmlformats.org/drawingml/2006/main" xmlns:r="http://schemas.openxmlformats.org/officeDocument/2006/relationships" xmlns:p="http://schemas.openxmlformats.org/presentationml/2006/main">
   <p:cSld>
     <p:spTree>
@@ -4552,6 +4529,221 @@
 </p:sld>
 </file>
 
+<file path=ppt/slides/slide8.xml><?xml version="1.0" encoding="utf-8"?>
+<p:sld xmlns:a="http://schemas.openxmlformats.org/drawingml/2006/main" xmlns:r="http://schemas.openxmlformats.org/officeDocument/2006/relationships" xmlns:p="http://schemas.openxmlformats.org/presentationml/2006/main">
+  <p:cSld>
+    <p:spTree>
+      <p:nvGrpSpPr>
+        <p:cNvPr id="1" name=""/>
+        <p:cNvGrpSpPr/>
+        <p:nvPr/>
+      </p:nvGrpSpPr>
+      <p:grpSpPr>
+        <a:xfrm>
+          <a:off x="0" y="0"/>
+          <a:ext cx="0" cy="0"/>
+          <a:chOff x="0" y="0"/>
+          <a:chExt cx="0" cy="0"/>
+        </a:xfrm>
+      </p:grpSpPr>
+      <p:sp>
+        <p:nvSpPr>
+          <p:cNvPr id="2" name="TextBox 1"/>
+          <p:cNvSpPr txBox="1"/>
+          <p:nvPr/>
+        </p:nvSpPr>
+        <p:spPr>
+          <a:xfrm>
+            <a:off x="2743200" y="393290"/>
+            <a:ext cx="5960734" cy="830997"/>
+          </a:xfrm>
+          <a:prstGeom prst="rect">
+            <a:avLst/>
+          </a:prstGeom>
+          <a:noFill/>
+        </p:spPr>
+        <p:txBody>
+          <a:bodyPr wrap="none" rtlCol="0">
+            <a:spAutoFit/>
+          </a:bodyPr>
+          <a:lstStyle/>
+          <a:p>
+            <a:r>
+              <a:rPr lang="ru-RU" sz="4800" dirty="0" smtClean="0"/>
+              <a:t>Разработка</a:t>
+            </a:r>
+            <a:r>
+              <a:rPr lang="ru-RU" dirty="0" smtClean="0"/>
+              <a:t> </a:t>
+            </a:r>
+            <a:r>
+              <a:rPr lang="ru-RU" sz="4800" dirty="0" smtClean="0"/>
+              <a:t>библиотек</a:t>
+            </a:r>
+            <a:endParaRPr lang="ru-RU" sz="4800" dirty="0"/>
+          </a:p>
+        </p:txBody>
+      </p:sp>
+      <p:sp>
+        <p:nvSpPr>
+          <p:cNvPr id="3" name="TextBox 2"/>
+          <p:cNvSpPr txBox="1"/>
+          <p:nvPr/>
+        </p:nvSpPr>
+        <p:spPr>
+          <a:xfrm>
+            <a:off x="658762" y="1356850"/>
+            <a:ext cx="11180112" cy="5262979"/>
+          </a:xfrm>
+          <a:prstGeom prst="rect">
+            <a:avLst/>
+          </a:prstGeom>
+          <a:noFill/>
+        </p:spPr>
+        <p:txBody>
+          <a:bodyPr wrap="none" rtlCol="0">
+            <a:spAutoFit/>
+          </a:bodyPr>
+          <a:lstStyle/>
+          <a:p>
+            <a:r>
+              <a:rPr lang="ru-RU" sz="2800" b="1" dirty="0" smtClean="0"/>
+              <a:t>Разработка ПО – нисходящая (с обоснованием).</a:t>
+            </a:r>
+          </a:p>
+          <a:p>
+            <a:r>
+              <a:rPr lang="ru-RU" sz="2800" i="1" dirty="0" smtClean="0"/>
+              <a:t>Насколько подробно описать процесс для каждой библиотеки?</a:t>
+            </a:r>
+          </a:p>
+          <a:p>
+            <a:endParaRPr lang="ru-RU" sz="2800" i="1" dirty="0"/>
+          </a:p>
+          <a:p>
+            <a:r>
+              <a:rPr lang="ru-RU" sz="2800" b="1" dirty="0"/>
+              <a:t>Тестирование ПО – нисходящее интеграционное</a:t>
+            </a:r>
+            <a:r>
+              <a:rPr lang="ru-RU" sz="2800" b="1" dirty="0" smtClean="0"/>
+              <a:t>. Причина: </a:t>
+            </a:r>
+          </a:p>
+          <a:p>
+            <a:r>
+              <a:rPr lang="ru-RU" sz="2800" b="1" dirty="0" smtClean="0"/>
+              <a:t>сделал модуль высокого уровня – и сразу проверил. </a:t>
+            </a:r>
+          </a:p>
+          <a:p>
+            <a:r>
+              <a:rPr lang="ru-RU" sz="2800" i="1" dirty="0" smtClean="0"/>
+              <a:t>Минус такого тестирования: сложно корректно сформулировать </a:t>
+            </a:r>
+          </a:p>
+          <a:p>
+            <a:r>
+              <a:rPr lang="ru-RU" sz="2800" i="1" dirty="0" smtClean="0"/>
+              <a:t>требования ко входам/выходам системы. Надо будет корректно</a:t>
+            </a:r>
+          </a:p>
+          <a:p>
+            <a:r>
+              <a:rPr lang="ru-RU" sz="2800" i="1" dirty="0" smtClean="0"/>
+              <a:t>обосновать, что библиотека пишется как кроссплатформенная</a:t>
+            </a:r>
+            <a:r>
+              <a:rPr lang="en-US" sz="2800" i="1" dirty="0" smtClean="0">
+                <a:sym typeface="Wingdings" panose="05000000000000000000" pitchFamily="2" charset="2"/>
+              </a:rPr>
+              <a:t>---&gt; </a:t>
+            </a:r>
+            <a:endParaRPr lang="ru-RU" sz="2800" i="1" dirty="0" smtClean="0">
+              <a:sym typeface="Wingdings" panose="05000000000000000000" pitchFamily="2" charset="2"/>
+            </a:endParaRPr>
+          </a:p>
+          <a:p>
+            <a:r>
+              <a:rPr lang="ru-RU" sz="2800" i="1" dirty="0" smtClean="0">
+                <a:sym typeface="Wingdings" panose="05000000000000000000" pitchFamily="2" charset="2"/>
+              </a:rPr>
+              <a:t>нам нет смысла с этим заморачиваться, и при установке </a:t>
+            </a:r>
+            <a:r>
+              <a:rPr lang="ru-RU" sz="2800" i="1" dirty="0" err="1" smtClean="0">
+                <a:sym typeface="Wingdings" panose="05000000000000000000" pitchFamily="2" charset="2"/>
+              </a:rPr>
+              <a:t>либы</a:t>
+            </a:r>
+            <a:r>
+              <a:rPr lang="ru-RU" sz="2800" i="1" dirty="0" smtClean="0">
+                <a:sym typeface="Wingdings" panose="05000000000000000000" pitchFamily="2" charset="2"/>
+              </a:rPr>
+              <a:t> </a:t>
+            </a:r>
+          </a:p>
+          <a:p>
+            <a:r>
+              <a:rPr lang="ru-RU" sz="2800" i="1" dirty="0" smtClean="0">
+                <a:sym typeface="Wingdings" panose="05000000000000000000" pitchFamily="2" charset="2"/>
+              </a:rPr>
+              <a:t>использовать адаптер (т.е. сослаться на паттерны</a:t>
+            </a:r>
+          </a:p>
+          <a:p>
+            <a:r>
+              <a:rPr lang="ru-RU" sz="2800" i="1" dirty="0" smtClean="0">
+                <a:sym typeface="Wingdings" panose="05000000000000000000" pitchFamily="2" charset="2"/>
+              </a:rPr>
+              <a:t>проектирования). </a:t>
+            </a:r>
+            <a:r>
+              <a:rPr lang="ru-RU" sz="2800" b="1" dirty="0" smtClean="0">
+                <a:sym typeface="Wingdings" panose="05000000000000000000" pitchFamily="2" charset="2"/>
+              </a:rPr>
+              <a:t>Запустить на 3 разных платформах: </a:t>
+            </a:r>
+            <a:r>
+              <a:rPr lang="en-US" sz="2800" b="1" dirty="0" smtClean="0">
+                <a:sym typeface="Wingdings" panose="05000000000000000000" pitchFamily="2" charset="2"/>
+              </a:rPr>
+              <a:t>Win, DOS, UNIX </a:t>
+            </a:r>
+            <a:endParaRPr lang="ru-RU" sz="2800" b="1" dirty="0" smtClean="0">
+              <a:sym typeface="Wingdings" panose="05000000000000000000" pitchFamily="2" charset="2"/>
+            </a:endParaRPr>
+          </a:p>
+          <a:p>
+            <a:r>
+              <a:rPr lang="en-US" sz="2800" i="1" dirty="0" smtClean="0">
+                <a:sym typeface="Wingdings" panose="05000000000000000000" pitchFamily="2" charset="2"/>
+              </a:rPr>
+              <a:t>(</a:t>
+            </a:r>
+            <a:r>
+              <a:rPr lang="ru-RU" sz="2800" i="1" dirty="0" smtClean="0">
+                <a:sym typeface="Wingdings" panose="05000000000000000000" pitchFamily="2" charset="2"/>
+              </a:rPr>
+              <a:t>тем самым скажем, что библиотеки кроссплатформенны).</a:t>
+            </a:r>
+            <a:endParaRPr lang="ru-RU" sz="2800" dirty="0"/>
+          </a:p>
+        </p:txBody>
+      </p:sp>
+    </p:spTree>
+    <p:extLst>
+      <p:ext uri="{BB962C8B-B14F-4D97-AF65-F5344CB8AC3E}">
+        <p14:creationId xmlns:p14="http://schemas.microsoft.com/office/powerpoint/2010/main" val="698442486"/>
+      </p:ext>
+    </p:extLst>
+  </p:cSld>
+  <p:clrMapOvr>
+    <a:masterClrMapping/>
+  </p:clrMapOvr>
+</p:sld>
+</file>
+
 <file path=ppt/slides/slide9.xml><?xml version="1.0" encoding="utf-8"?>
 <p:sld xmlns:a="http://schemas.openxmlformats.org/drawingml/2006/main" xmlns:r="http://schemas.openxmlformats.org/officeDocument/2006/relationships" xmlns:p="http://schemas.openxmlformats.org/presentationml/2006/main">
   <p:cSld>
@@ -4577,8 +4769,8 @@
         </p:nvSpPr>
         <p:spPr>
           <a:xfrm>
-            <a:off x="2743200" y="393290"/>
-            <a:ext cx="5960734" cy="830997"/>
+            <a:off x="3008671" y="776748"/>
+            <a:ext cx="3377848" cy="830997"/>
           </a:xfrm>
           <a:prstGeom prst="rect">
             <a:avLst/>
@@ -4593,171 +4785,16 @@
           <a:p>
             <a:r>
               <a:rPr lang="ru-RU" sz="4800" dirty="0" smtClean="0"/>
-              <a:t>Разработка</a:t>
-            </a:r>
-            <a:r>
-              <a:rPr lang="ru-RU" dirty="0" smtClean="0"/>
-              <a:t> </a:t>
-            </a:r>
-            <a:r>
-              <a:rPr lang="ru-RU" sz="4800" dirty="0" smtClean="0"/>
-              <a:t>библиотек</a:t>
+              <a:t>Заключение</a:t>
             </a:r>
             <a:endParaRPr lang="ru-RU" sz="4800" dirty="0"/>
-          </a:p>
-        </p:txBody>
-      </p:sp>
-      <p:sp>
-        <p:nvSpPr>
-          <p:cNvPr id="3" name="TextBox 2"/>
-          <p:cNvSpPr txBox="1"/>
-          <p:nvPr/>
-        </p:nvSpPr>
-        <p:spPr>
-          <a:xfrm>
-            <a:off x="658762" y="1356850"/>
-            <a:ext cx="11180112" cy="5262979"/>
-          </a:xfrm>
-          <a:prstGeom prst="rect">
-            <a:avLst/>
-          </a:prstGeom>
-          <a:noFill/>
-        </p:spPr>
-        <p:txBody>
-          <a:bodyPr wrap="none" rtlCol="0">
-            <a:spAutoFit/>
-          </a:bodyPr>
-          <a:lstStyle/>
-          <a:p>
-            <a:r>
-              <a:rPr lang="ru-RU" sz="2800" b="1" dirty="0" smtClean="0"/>
-              <a:t>Разработка ПО – нисходящая (с обоснованием).</a:t>
-            </a:r>
-          </a:p>
-          <a:p>
-            <a:r>
-              <a:rPr lang="ru-RU" sz="2800" i="1" dirty="0" smtClean="0"/>
-              <a:t>Насколько подробно описать процесс для каждой библиотеки?</a:t>
-            </a:r>
-          </a:p>
-          <a:p>
-            <a:endParaRPr lang="ru-RU" sz="2800" i="1" dirty="0"/>
-          </a:p>
-          <a:p>
-            <a:r>
-              <a:rPr lang="ru-RU" sz="2800" b="1" dirty="0"/>
-              <a:t>Тестирование ПО – нисходящее интеграционное</a:t>
-            </a:r>
-            <a:r>
-              <a:rPr lang="ru-RU" sz="2800" b="1" dirty="0" smtClean="0"/>
-              <a:t>. Причина: </a:t>
-            </a:r>
-          </a:p>
-          <a:p>
-            <a:r>
-              <a:rPr lang="ru-RU" sz="2800" b="1" dirty="0" smtClean="0"/>
-              <a:t>сделал модуль высокого уровня – и сразу проверил. </a:t>
-            </a:r>
-          </a:p>
-          <a:p>
-            <a:r>
-              <a:rPr lang="ru-RU" sz="2800" i="1" dirty="0" smtClean="0"/>
-              <a:t>Минус такого тестирования: сложно корректно сформулировать </a:t>
-            </a:r>
-          </a:p>
-          <a:p>
-            <a:r>
-              <a:rPr lang="ru-RU" sz="2800" i="1" dirty="0" smtClean="0"/>
-              <a:t>требования ко входам/выходам системы. Надо будет корректно</a:t>
-            </a:r>
-          </a:p>
-          <a:p>
-            <a:r>
-              <a:rPr lang="ru-RU" sz="2800" i="1" dirty="0" smtClean="0"/>
-              <a:t>обосновать, что библиотека пишется как кроссплатформенная</a:t>
-            </a:r>
-            <a:r>
-              <a:rPr lang="en-US" sz="2800" i="1" dirty="0" smtClean="0">
-                <a:sym typeface="Wingdings" panose="05000000000000000000" pitchFamily="2" charset="2"/>
-              </a:rPr>
-              <a:t>---&gt; </a:t>
-            </a:r>
-            <a:endParaRPr lang="ru-RU" sz="2800" i="1" dirty="0" smtClean="0">
-              <a:sym typeface="Wingdings" panose="05000000000000000000" pitchFamily="2" charset="2"/>
-            </a:endParaRPr>
-          </a:p>
-          <a:p>
-            <a:r>
-              <a:rPr lang="ru-RU" sz="2800" i="1" dirty="0" smtClean="0">
-                <a:sym typeface="Wingdings" panose="05000000000000000000" pitchFamily="2" charset="2"/>
-              </a:rPr>
-              <a:t>нам нет смысла с этим заморачиваться, и при установке </a:t>
-            </a:r>
-            <a:r>
-              <a:rPr lang="ru-RU" sz="2800" i="1" dirty="0" err="1" smtClean="0">
-                <a:sym typeface="Wingdings" panose="05000000000000000000" pitchFamily="2" charset="2"/>
-              </a:rPr>
-              <a:t>либы</a:t>
-            </a:r>
-            <a:r>
-              <a:rPr lang="ru-RU" sz="2800" i="1" dirty="0" smtClean="0">
-                <a:sym typeface="Wingdings" panose="05000000000000000000" pitchFamily="2" charset="2"/>
-              </a:rPr>
-              <a:t> </a:t>
-            </a:r>
-          </a:p>
-          <a:p>
-            <a:r>
-              <a:rPr lang="ru-RU" sz="2800" i="1" dirty="0" smtClean="0">
-                <a:sym typeface="Wingdings" panose="05000000000000000000" pitchFamily="2" charset="2"/>
-              </a:rPr>
-              <a:t>использовать адаптер (т.е. сослаться на паттерны</a:t>
-            </a:r>
-          </a:p>
-          <a:p>
-            <a:r>
-              <a:rPr lang="ru-RU" sz="2800" i="1" dirty="0" smtClean="0">
-                <a:sym typeface="Wingdings" panose="05000000000000000000" pitchFamily="2" charset="2"/>
-              </a:rPr>
-              <a:t>проектирования). </a:t>
-            </a:r>
-            <a:r>
-              <a:rPr lang="ru-RU" sz="2800" b="1" dirty="0" smtClean="0">
-                <a:sym typeface="Wingdings" panose="05000000000000000000" pitchFamily="2" charset="2"/>
-              </a:rPr>
-              <a:t>Запустить на 3 разных платформах: </a:t>
-            </a:r>
-            <a:r>
-              <a:rPr lang="en-US" sz="2800" b="1" dirty="0" smtClean="0">
-                <a:sym typeface="Wingdings" panose="05000000000000000000" pitchFamily="2" charset="2"/>
-              </a:rPr>
-              <a:t>Win, DOS, UNIX </a:t>
-            </a:r>
-            <a:endParaRPr lang="ru-RU" sz="2800" b="1" dirty="0" smtClean="0">
-              <a:sym typeface="Wingdings" panose="05000000000000000000" pitchFamily="2" charset="2"/>
-            </a:endParaRPr>
-          </a:p>
-          <a:p>
-            <a:r>
-              <a:rPr lang="en-US" sz="2800" i="1" dirty="0" smtClean="0">
-                <a:sym typeface="Wingdings" panose="05000000000000000000" pitchFamily="2" charset="2"/>
-              </a:rPr>
-              <a:t>(</a:t>
-            </a:r>
-            <a:r>
-              <a:rPr lang="ru-RU" sz="2800" i="1" dirty="0" smtClean="0">
-                <a:sym typeface="Wingdings" panose="05000000000000000000" pitchFamily="2" charset="2"/>
-              </a:rPr>
-              <a:t>тем самым скажем, что библиотеки кроссплатформенны).</a:t>
-            </a:r>
-            <a:endParaRPr lang="ru-RU" sz="2800" dirty="0"/>
           </a:p>
         </p:txBody>
       </p:sp>
     </p:spTree>
     <p:extLst>
       <p:ext uri="{BB962C8B-B14F-4D97-AF65-F5344CB8AC3E}">
-        <p14:creationId xmlns:p14="http://schemas.microsoft.com/office/powerpoint/2010/main" val="698442486"/>
+        <p14:creationId xmlns:p14="http://schemas.microsoft.com/office/powerpoint/2010/main" val="4022800101"/>
       </p:ext>
     </p:extLst>
   </p:cSld>
